--- a/branches/extended/2-Java-Programmer-Modulo-II/19.Capitulo11.pptx
+++ b/branches/extended/2-Java-Programmer-Modulo-II/19.Capitulo11.pptx
@@ -305,7 +305,7 @@
               <a:pPr>
                 <a:defRPr/>
               </a:pPr>
-              <a:t>16/06/2012</a:t>
+              <a:t>24/09/2012</a:t>
             </a:fld>
             <a:endParaRPr lang="pt-BR"/>
           </a:p>
@@ -493,7 +493,7 @@
               <a:pPr>
                 <a:defRPr/>
               </a:pPr>
-              <a:t>‹nº›</a:t>
+              <a:t>‹#›</a:t>
             </a:fld>
             <a:endParaRPr lang="pt-BR"/>
           </a:p>
@@ -6073,7 +6073,7 @@
               <a:pPr>
                 <a:defRPr/>
               </a:pPr>
-              <a:t>16/06/2012</a:t>
+              <a:t>24/09/2012</a:t>
             </a:fld>
             <a:endParaRPr lang="pt-BR"/>
           </a:p>
@@ -6132,7 +6132,7 @@
               <a:pPr>
                 <a:defRPr/>
               </a:pPr>
-              <a:t>‹nº›</a:t>
+              <a:t>‹#›</a:t>
             </a:fld>
             <a:endParaRPr lang="pt-BR"/>
           </a:p>
@@ -6265,7 +6265,7 @@
               <a:pPr>
                 <a:defRPr/>
               </a:pPr>
-              <a:t>16/06/2012</a:t>
+              <a:t>24/09/2012</a:t>
             </a:fld>
             <a:endParaRPr lang="pt-BR"/>
           </a:p>
@@ -6324,7 +6324,7 @@
               <a:pPr>
                 <a:defRPr/>
               </a:pPr>
-              <a:t>‹nº›</a:t>
+              <a:t>‹#›</a:t>
             </a:fld>
             <a:endParaRPr lang="pt-BR"/>
           </a:p>
@@ -6467,7 +6467,7 @@
               <a:pPr>
                 <a:defRPr/>
               </a:pPr>
-              <a:t>16/06/2012</a:t>
+              <a:t>24/09/2012</a:t>
             </a:fld>
             <a:endParaRPr lang="pt-BR"/>
           </a:p>
@@ -6526,7 +6526,7 @@
               <a:pPr>
                 <a:defRPr/>
               </a:pPr>
-              <a:t>‹nº›</a:t>
+              <a:t>‹#›</a:t>
             </a:fld>
             <a:endParaRPr lang="pt-BR"/>
           </a:p>
@@ -6663,7 +6663,7 @@
               <a:pPr>
                 <a:defRPr/>
               </a:pPr>
-              <a:t>16/06/2012</a:t>
+              <a:t>24/09/2012</a:t>
             </a:fld>
             <a:endParaRPr lang="pt-BR"/>
           </a:p>
@@ -6722,7 +6722,7 @@
               <a:pPr>
                 <a:defRPr/>
               </a:pPr>
-              <a:t>‹nº›</a:t>
+              <a:t>‹#›</a:t>
             </a:fld>
             <a:endParaRPr lang="pt-BR"/>
           </a:p>
@@ -7169,7 +7169,7 @@
               <a:pPr>
                 <a:defRPr/>
               </a:pPr>
-              <a:t>16/06/2012</a:t>
+              <a:t>24/09/2012</a:t>
             </a:fld>
             <a:endParaRPr lang="pt-BR"/>
           </a:p>
@@ -7228,7 +7228,7 @@
               <a:pPr>
                 <a:defRPr/>
               </a:pPr>
-              <a:t>‹nº›</a:t>
+              <a:t>‹#›</a:t>
             </a:fld>
             <a:endParaRPr lang="pt-BR"/>
           </a:p>
@@ -7460,7 +7460,7 @@
               <a:pPr>
                 <a:defRPr/>
               </a:pPr>
-              <a:t>16/06/2012</a:t>
+              <a:t>24/09/2012</a:t>
             </a:fld>
             <a:endParaRPr lang="pt-BR"/>
           </a:p>
@@ -7519,7 +7519,7 @@
               <a:pPr>
                 <a:defRPr/>
               </a:pPr>
-              <a:t>‹nº›</a:t>
+              <a:t>‹#›</a:t>
             </a:fld>
             <a:endParaRPr lang="pt-BR"/>
           </a:p>
@@ -7861,7 +7861,7 @@
               <a:pPr>
                 <a:defRPr/>
               </a:pPr>
-              <a:t>16/06/2012</a:t>
+              <a:t>24/09/2012</a:t>
             </a:fld>
             <a:endParaRPr lang="pt-BR"/>
           </a:p>
@@ -7920,7 +7920,7 @@
               <a:pPr>
                 <a:defRPr/>
               </a:pPr>
-              <a:t>‹nº›</a:t>
+              <a:t>‹#›</a:t>
             </a:fld>
             <a:endParaRPr lang="pt-BR"/>
           </a:p>
@@ -8010,7 +8010,7 @@
               <a:pPr>
                 <a:defRPr/>
               </a:pPr>
-              <a:t>16/06/2012</a:t>
+              <a:t>24/09/2012</a:t>
             </a:fld>
             <a:endParaRPr lang="pt-BR"/>
           </a:p>
@@ -8069,7 +8069,7 @@
               <a:pPr>
                 <a:defRPr/>
               </a:pPr>
-              <a:t>‹nº›</a:t>
+              <a:t>‹#›</a:t>
             </a:fld>
             <a:endParaRPr lang="pt-BR"/>
           </a:p>
@@ -8127,7 +8127,7 @@
               <a:pPr>
                 <a:defRPr/>
               </a:pPr>
-              <a:t>16/06/2012</a:t>
+              <a:t>24/09/2012</a:t>
             </a:fld>
             <a:endParaRPr lang="pt-BR"/>
           </a:p>
@@ -8186,7 +8186,7 @@
               <a:pPr>
                 <a:defRPr/>
               </a:pPr>
-              <a:t>‹nº›</a:t>
+              <a:t>‹#›</a:t>
             </a:fld>
             <a:endParaRPr lang="pt-BR"/>
           </a:p>
@@ -8403,7 +8403,7 @@
               <a:pPr>
                 <a:defRPr/>
               </a:pPr>
-              <a:t>16/06/2012</a:t>
+              <a:t>24/09/2012</a:t>
             </a:fld>
             <a:endParaRPr lang="pt-BR"/>
           </a:p>
@@ -8467,7 +8467,7 @@
               <a:pPr>
                 <a:defRPr/>
               </a:pPr>
-              <a:t>‹nº›</a:t>
+              <a:t>‹#›</a:t>
             </a:fld>
             <a:endParaRPr lang="pt-BR"/>
           </a:p>
@@ -8687,7 +8687,7 @@
               <a:pPr>
                 <a:defRPr/>
               </a:pPr>
-              <a:t>16/06/2012</a:t>
+              <a:t>24/09/2012</a:t>
             </a:fld>
             <a:endParaRPr lang="pt-BR"/>
           </a:p>
@@ -8746,7 +8746,7 @@
               <a:pPr>
                 <a:defRPr/>
               </a:pPr>
-              <a:t>‹nº›</a:t>
+              <a:t>‹#›</a:t>
             </a:fld>
             <a:endParaRPr lang="pt-BR"/>
           </a:p>
@@ -9165,7 +9165,7 @@
               <a:pPr>
                 <a:defRPr/>
               </a:pPr>
-              <a:t>16/06/2012</a:t>
+              <a:t>24/09/2012</a:t>
             </a:fld>
             <a:endParaRPr lang="pt-BR"/>
           </a:p>
@@ -9268,7 +9268,7 @@
               <a:pPr>
                 <a:defRPr/>
               </a:pPr>
-              <a:t>‹nº›</a:t>
+              <a:t>‹#›</a:t>
             </a:fld>
             <a:endParaRPr lang="pt-BR"/>
           </a:p>
@@ -12165,11 +12165,6 @@
               </a:rPr>
               <a:t>);</a:t>
             </a:r>
-            <a:endParaRPr lang="pt-BR" sz="2200" dirty="0" smtClean="0">
-              <a:solidFill>
-                <a:srgbClr val="FFC000"/>
-              </a:solidFill>
-            </a:endParaRPr>
           </a:p>
           <a:p>
             <a:pPr indent="-3175">
@@ -12475,6 +12470,11 @@
               </a:rPr>
               <a:t>);</a:t>
             </a:r>
+          </a:p>
+          <a:p>
+            <a:pPr marL="3175" indent="-3175" algn="ctr">
+              <a:buNone/>
+            </a:pPr>
             <a:endParaRPr lang="pt-BR" sz="2200" dirty="0" smtClean="0">
               <a:solidFill>
                 <a:srgbClr val="FFC000"/>
@@ -12485,16 +12485,6 @@
             <a:pPr marL="3175" indent="-3175" algn="ctr">
               <a:buNone/>
             </a:pPr>
-            <a:endParaRPr lang="pt-BR" sz="2200" dirty="0" smtClean="0">
-              <a:solidFill>
-                <a:srgbClr val="FFC000"/>
-              </a:solidFill>
-            </a:endParaRPr>
-          </a:p>
-          <a:p>
-            <a:pPr marL="3175" indent="-3175" algn="ctr">
-              <a:buNone/>
-            </a:pPr>
             <a:r>
               <a:rPr lang="pt-BR" sz="2200" dirty="0" err="1" smtClean="0">
                 <a:solidFill>
@@ -12563,11 +12553,6 @@
               </a:rPr>
               <a:t>”);</a:t>
             </a:r>
-            <a:endParaRPr lang="pt-BR" sz="2200" dirty="0" smtClean="0">
-              <a:solidFill>
-                <a:srgbClr val="FFC000"/>
-              </a:solidFill>
-            </a:endParaRPr>
           </a:p>
         </p:txBody>
       </p:sp>
@@ -24206,21 +24191,12 @@
                   <a:srgbClr val="FFC000"/>
                 </a:solidFill>
               </a:rPr>
-              <a:t>“</a:t>
-            </a:r>
-            <a:r>
-              <a:rPr lang="pt-BR" sz="2000" dirty="0" smtClean="0">
-                <a:solidFill>
-                  <a:srgbClr val="FFC000"/>
-                </a:solidFill>
-              </a:rPr>
-              <a:t>Manuel%”</a:t>
+              <a:t>“Manuel%”</a:t>
             </a:r>
             <a:r>
               <a:rPr lang="pt-BR" sz="2000" dirty="0" smtClean="0"/>
               <a:t>);</a:t>
             </a:r>
-            <a:endParaRPr lang="pt-BR" sz="2000" dirty="0" smtClean="0"/>
           </a:p>
           <a:p>
             <a:pPr lvl="1" indent="-6350">
@@ -24769,11 +24745,7 @@
             </a:r>
             <a:r>
               <a:rPr lang="pt-BR" sz="2000" dirty="0" smtClean="0"/>
-              <a:t>(1</a:t>
-            </a:r>
-            <a:r>
-              <a:rPr lang="pt-BR" sz="2000" dirty="0" smtClean="0"/>
-              <a:t>, </a:t>
+              <a:t>(1, </a:t>
             </a:r>
             <a:r>
               <a:rPr lang="pt-BR" sz="2000" dirty="0" smtClean="0">
@@ -27114,11 +27086,11 @@
               <a:buNone/>
             </a:pPr>
             <a:r>
-              <a:rPr lang="pt-BR" sz="2000" dirty="0" err="1" smtClean="0"/>
+              <a:rPr lang="pt-BR" sz="2000" smtClean="0"/>
               <a:t>ps.</a:t>
             </a:r>
             <a:r>
-              <a:rPr lang="pt-BR" sz="2000" dirty="0" err="1" smtClean="0">
+              <a:rPr lang="pt-BR" sz="2000" smtClean="0">
                 <a:solidFill>
                   <a:srgbClr val="FFC000"/>
                 </a:solidFill>
@@ -27126,9 +27098,10 @@
               <a:t>setNull</a:t>
             </a:r>
             <a:r>
-              <a:rPr lang="pt-BR" sz="2000" dirty="0" smtClean="0"/>
-              <a:t>(2);</a:t>
-            </a:r>
+              <a:rPr lang="pt-BR" sz="2000" smtClean="0"/>
+              <a:t>(2, Types.VARCHAR);</a:t>
+            </a:r>
+            <a:endParaRPr lang="pt-BR" sz="2000" dirty="0" smtClean="0"/>
           </a:p>
           <a:p>
             <a:pPr marL="442913" lvl="1" indent="-6350">
